--- a/108-2Android.pptx
+++ b/108-2Android.pptx
@@ -5,47 +5,48 @@
     <p:sldMasterId id="2147483687" r:id="rId1"/>
   </p:sldMasterIdLst>
   <p:notesMasterIdLst>
-    <p:notesMasterId r:id="rId11"/>
+    <p:notesMasterId r:id="rId12"/>
   </p:notesMasterIdLst>
   <p:sldIdLst>
     <p:sldId id="256" r:id="rId2"/>
     <p:sldId id="257" r:id="rId3"/>
     <p:sldId id="258" r:id="rId4"/>
-    <p:sldId id="259" r:id="rId5"/>
-    <p:sldId id="262" r:id="rId6"/>
-    <p:sldId id="261" r:id="rId7"/>
-    <p:sldId id="298" r:id="rId8"/>
+    <p:sldId id="261" r:id="rId5"/>
+    <p:sldId id="298" r:id="rId6"/>
+    <p:sldId id="259" r:id="rId7"/>
+    <p:sldId id="262" r:id="rId8"/>
     <p:sldId id="263" r:id="rId9"/>
-    <p:sldId id="301" r:id="rId10"/>
+    <p:sldId id="302" r:id="rId10"/>
+    <p:sldId id="301" r:id="rId11"/>
   </p:sldIdLst>
   <p:sldSz cx="9144000" cy="5143500" type="screen16x9"/>
   <p:notesSz cx="6858000" cy="9144000"/>
   <p:embeddedFontLst>
     <p:embeddedFont>
-      <p:font typeface="Gen Jyuu Gothic Medium" panose="020B0402020203020207" pitchFamily="34" charset="-120"/>
-      <p:regular r:id="rId12"/>
-    </p:embeddedFont>
-    <p:embeddedFont>
-      <p:font typeface="Fira Sans Extra Condensed Medium" panose="02020500000000000000" charset="0"/>
+      <p:font typeface="Roboto Condensed Light" panose="02020500000000000000" charset="0"/>
       <p:regular r:id="rId13"/>
       <p:bold r:id="rId14"/>
       <p:italic r:id="rId15"/>
       <p:boldItalic r:id="rId16"/>
     </p:embeddedFont>
     <p:embeddedFont>
-      <p:font typeface="Righteous" panose="02020500000000000000" charset="0"/>
+      <p:font typeface="Fira Sans Extra Condensed Medium" panose="02020500000000000000" charset="0"/>
       <p:regular r:id="rId17"/>
-    </p:embeddedFont>
-    <p:embeddedFont>
-      <p:font typeface="Roboto Condensed Light" panose="02020500000000000000" charset="0"/>
-      <p:regular r:id="rId18"/>
-      <p:bold r:id="rId19"/>
-      <p:italic r:id="rId20"/>
-      <p:boldItalic r:id="rId21"/>
+      <p:bold r:id="rId18"/>
+      <p:italic r:id="rId19"/>
+      <p:boldItalic r:id="rId20"/>
     </p:embeddedFont>
     <p:embeddedFont>
       <p:font typeface="Squada One" panose="02020500000000000000" charset="0"/>
+      <p:regular r:id="rId21"/>
+    </p:embeddedFont>
+    <p:embeddedFont>
+      <p:font typeface="Righteous" panose="02020500000000000000" charset="0"/>
       <p:regular r:id="rId22"/>
+    </p:embeddedFont>
+    <p:embeddedFont>
+      <p:font typeface="Gen Jyuu Gothic Medium" panose="02020500000000000000" charset="-120"/>
+      <p:regular r:id="rId23"/>
     </p:embeddedFont>
   </p:embeddedFontLst>
   <p:defaultTextStyle>
@@ -830,6 +831,115 @@
 </p:notes>
 </file>
 
+<file path=ppt/notesSlides/notesSlide10.xml><?xml version="1.0" encoding="utf-8"?>
+<p:notes xmlns:a="http://schemas.openxmlformats.org/drawingml/2006/main" xmlns:r="http://schemas.openxmlformats.org/officeDocument/2006/relationships" xmlns:p="http://schemas.openxmlformats.org/presentationml/2006/main" showMasterSp="0" showMasterPhAnim="0">
+  <p:cSld>
+    <p:spTree>
+      <p:nvGrpSpPr>
+        <p:cNvPr id="1" name="Shape 297"/>
+        <p:cNvGrpSpPr/>
+        <p:nvPr/>
+      </p:nvGrpSpPr>
+      <p:grpSpPr>
+        <a:xfrm>
+          <a:off x="0" y="0"/>
+          <a:ext cx="0" cy="0"/>
+          <a:chOff x="0" y="0"/>
+          <a:chExt cx="0" cy="0"/>
+        </a:xfrm>
+      </p:grpSpPr>
+      <p:sp>
+        <p:nvSpPr>
+          <p:cNvPr id="298" name="Google Shape;298;g55d2cabac8_1_10:notes"/>
+          <p:cNvSpPr>
+            <a:spLocks noGrp="1" noRot="1" noChangeAspect="1"/>
+          </p:cNvSpPr>
+          <p:nvPr>
+            <p:ph type="sldImg" idx="2"/>
+          </p:nvPr>
+        </p:nvSpPr>
+        <p:spPr>
+          <a:xfrm>
+            <a:off x="381000" y="685800"/>
+            <a:ext cx="6096000" cy="3429000"/>
+          </a:xfrm>
+          <a:custGeom>
+            <a:avLst/>
+            <a:gdLst/>
+            <a:ahLst/>
+            <a:cxnLst/>
+            <a:rect l="l" t="t" r="r" b="b"/>
+            <a:pathLst>
+              <a:path w="120000" h="120000" extrusionOk="0">
+                <a:moveTo>
+                  <a:pt x="0" y="0"/>
+                </a:moveTo>
+                <a:lnTo>
+                  <a:pt x="120000" y="0"/>
+                </a:lnTo>
+                <a:lnTo>
+                  <a:pt x="120000" y="120000"/>
+                </a:lnTo>
+                <a:lnTo>
+                  <a:pt x="0" y="120000"/>
+                </a:lnTo>
+                <a:close/>
+              </a:path>
+            </a:pathLst>
+          </a:custGeom>
+        </p:spPr>
+      </p:sp>
+      <p:sp>
+        <p:nvSpPr>
+          <p:cNvPr id="299" name="Google Shape;299;g55d2cabac8_1_10:notes"/>
+          <p:cNvSpPr txBox="1">
+            <a:spLocks noGrp="1"/>
+          </p:cNvSpPr>
+          <p:nvPr>
+            <p:ph type="body" idx="1"/>
+          </p:nvPr>
+        </p:nvSpPr>
+        <p:spPr>
+          <a:xfrm>
+            <a:off x="685800" y="4343400"/>
+            <a:ext cx="5486400" cy="4114800"/>
+          </a:xfrm>
+          <a:prstGeom prst="rect">
+            <a:avLst/>
+          </a:prstGeom>
+        </p:spPr>
+        <p:txBody>
+          <a:bodyPr spcFirstLastPara="1" wrap="square" lIns="91425" tIns="91425" rIns="91425" bIns="91425" anchor="t" anchorCtr="0">
+            <a:noAutofit/>
+          </a:bodyPr>
+          <a:lstStyle/>
+          <a:p>
+            <a:pPr marL="0" lvl="0" indent="0" algn="l" rtl="0">
+              <a:spcBef>
+                <a:spcPts val="0"/>
+              </a:spcBef>
+              <a:spcAft>
+                <a:spcPts val="0"/>
+              </a:spcAft>
+              <a:buNone/>
+            </a:pPr>
+            <a:endParaRPr/>
+          </a:p>
+        </p:txBody>
+      </p:sp>
+    </p:spTree>
+    <p:extLst>
+      <p:ext uri="{BB962C8B-B14F-4D97-AF65-F5344CB8AC3E}">
+        <p14:creationId xmlns:p14="http://schemas.microsoft.com/office/powerpoint/2010/main" val="895695098"/>
+      </p:ext>
+    </p:extLst>
+  </p:cSld>
+  <p:clrMapOvr>
+    <a:masterClrMapping/>
+  </p:clrMapOvr>
+</p:notes>
+</file>
+
 <file path=ppt/notesSlides/notesSlide2.xml><?xml version="1.0" encoding="utf-8"?>
 <p:notes xmlns:a="http://schemas.openxmlformats.org/drawingml/2006/main" xmlns:r="http://schemas.openxmlformats.org/officeDocument/2006/relationships" xmlns:p="http://schemas.openxmlformats.org/presentationml/2006/main" showMasterSp="0" showMasterPhAnim="0">
   <p:cSld>
@@ -1043,7 +1153,7 @@
   <p:cSld>
     <p:spTree>
       <p:nvGrpSpPr>
-        <p:cNvPr id="1" name="Shape 326"/>
+        <p:cNvPr id="1" name="Shape 361"/>
         <p:cNvGrpSpPr/>
         <p:nvPr/>
       </p:nvGrpSpPr>
@@ -1057,7 +1167,7 @@
       </p:grpSpPr>
       <p:sp>
         <p:nvSpPr>
-          <p:cNvPr id="327" name="Google Shape;327;g557095241f_0_20:notes"/>
+          <p:cNvPr id="362" name="Google Shape;362;g557095241f_0_45:notes"/>
           <p:cNvSpPr>
             <a:spLocks noGrp="1" noRot="1" noChangeAspect="1"/>
           </p:cNvSpPr>
@@ -1098,7 +1208,7 @@
       </p:sp>
       <p:sp>
         <p:nvSpPr>
-          <p:cNvPr id="328" name="Google Shape;328;g557095241f_0_20:notes"/>
+          <p:cNvPr id="363" name="Google Shape;363;g557095241f_0_45:notes"/>
           <p:cNvSpPr txBox="1">
             <a:spLocks noGrp="1"/>
           </p:cNvSpPr>
@@ -1239,6 +1349,11 @@
         </p:txBody>
       </p:sp>
     </p:spTree>
+    <p:extLst>
+      <p:ext uri="{BB962C8B-B14F-4D97-AF65-F5344CB8AC3E}">
+        <p14:creationId xmlns:p14="http://schemas.microsoft.com/office/powerpoint/2010/main" val="89150594"/>
+      </p:ext>
+    </p:extLst>
   </p:cSld>
   <p:clrMapOvr>
     <a:masterClrMapping/>
@@ -1251,7 +1366,7 @@
   <p:cSld>
     <p:spTree>
       <p:nvGrpSpPr>
-        <p:cNvPr id="1" name="Shape 361"/>
+        <p:cNvPr id="1" name="Shape 326"/>
         <p:cNvGrpSpPr/>
         <p:nvPr/>
       </p:nvGrpSpPr>
@@ -1265,7 +1380,7 @@
       </p:grpSpPr>
       <p:sp>
         <p:nvSpPr>
-          <p:cNvPr id="362" name="Google Shape;362;g557095241f_0_45:notes"/>
+          <p:cNvPr id="327" name="Google Shape;327;g557095241f_0_20:notes"/>
           <p:cNvSpPr>
             <a:spLocks noGrp="1" noRot="1" noChangeAspect="1"/>
           </p:cNvSpPr>
@@ -1306,7 +1421,7 @@
       </p:sp>
       <p:sp>
         <p:nvSpPr>
-          <p:cNvPr id="363" name="Google Shape;363;g557095241f_0_45:notes"/>
+          <p:cNvPr id="328" name="Google Shape;328;g557095241f_0_20:notes"/>
           <p:cNvSpPr txBox="1">
             <a:spLocks noGrp="1"/>
           </p:cNvSpPr>
@@ -1447,11 +1562,6 @@
         </p:txBody>
       </p:sp>
     </p:spTree>
-    <p:extLst>
-      <p:ext uri="{BB962C8B-B14F-4D97-AF65-F5344CB8AC3E}">
-        <p14:creationId xmlns:p14="http://schemas.microsoft.com/office/powerpoint/2010/main" val="89150594"/>
-      </p:ext>
-    </p:extLst>
   </p:cSld>
   <p:clrMapOvr>
     <a:masterClrMapping/>
@@ -1568,7 +1678,7 @@
   <p:cSld>
     <p:spTree>
       <p:nvGrpSpPr>
-        <p:cNvPr id="1" name="Shape 297"/>
+        <p:cNvPr id="1" name="Shape 367"/>
         <p:cNvGrpSpPr/>
         <p:nvPr/>
       </p:nvGrpSpPr>
@@ -1582,7 +1692,7 @@
       </p:grpSpPr>
       <p:sp>
         <p:nvSpPr>
-          <p:cNvPr id="298" name="Google Shape;298;g55d2cabac8_1_10:notes"/>
+          <p:cNvPr id="368" name="Google Shape;368;g557095241f_0_56:notes"/>
           <p:cNvSpPr>
             <a:spLocks noGrp="1" noRot="1" noChangeAspect="1"/>
           </p:cNvSpPr>
@@ -1623,7 +1733,7 @@
       </p:sp>
       <p:sp>
         <p:nvSpPr>
-          <p:cNvPr id="299" name="Google Shape;299;g55d2cabac8_1_10:notes"/>
+          <p:cNvPr id="369" name="Google Shape;369;g557095241f_0_56:notes"/>
           <p:cNvSpPr txBox="1">
             <a:spLocks noGrp="1"/>
           </p:cNvSpPr>
@@ -1662,7 +1772,7 @@
     </p:spTree>
     <p:extLst>
       <p:ext uri="{BB962C8B-B14F-4D97-AF65-F5344CB8AC3E}">
-        <p14:creationId xmlns:p14="http://schemas.microsoft.com/office/powerpoint/2010/main" val="895695098"/>
+        <p14:creationId xmlns:p14="http://schemas.microsoft.com/office/powerpoint/2010/main" val="839433416"/>
       </p:ext>
     </p:extLst>
   </p:cSld>
@@ -9692,6 +9802,94 @@
 </p:sld>
 </file>
 
+<file path=ppt/slides/slide10.xml><?xml version="1.0" encoding="utf-8"?>
+<p:sld xmlns:a="http://schemas.openxmlformats.org/drawingml/2006/main" xmlns:r="http://schemas.openxmlformats.org/officeDocument/2006/relationships" xmlns:p="http://schemas.openxmlformats.org/presentationml/2006/main">
+  <p:cSld>
+    <p:bg>
+      <p:bgPr>
+        <a:gradFill>
+          <a:gsLst>
+            <a:gs pos="0">
+              <a:schemeClr val="dk1"/>
+            </a:gs>
+            <a:gs pos="100000">
+              <a:schemeClr val="lt1"/>
+            </a:gs>
+          </a:gsLst>
+          <a:lin ang="5400700" scaled="0"/>
+        </a:gradFill>
+        <a:effectLst/>
+      </p:bgPr>
+    </p:bg>
+    <p:spTree>
+      <p:nvGrpSpPr>
+        <p:cNvPr id="1" name="Shape 300"/>
+        <p:cNvGrpSpPr/>
+        <p:nvPr/>
+      </p:nvGrpSpPr>
+      <p:grpSpPr>
+        <a:xfrm>
+          <a:off x="0" y="0"/>
+          <a:ext cx="0" cy="0"/>
+          <a:chOff x="0" y="0"/>
+          <a:chExt cx="0" cy="0"/>
+        </a:xfrm>
+      </p:grpSpPr>
+      <p:sp>
+        <p:nvSpPr>
+          <p:cNvPr id="301" name="Google Shape;301;p43"/>
+          <p:cNvSpPr txBox="1">
+            <a:spLocks noGrp="1"/>
+          </p:cNvSpPr>
+          <p:nvPr>
+            <p:ph type="ctrTitle"/>
+          </p:nvPr>
+        </p:nvSpPr>
+        <p:spPr>
+          <a:xfrm flipH="1">
+            <a:off x="1261778" y="3092400"/>
+            <a:ext cx="6620444" cy="670500"/>
+          </a:xfrm>
+          <a:prstGeom prst="rect">
+            <a:avLst/>
+          </a:prstGeom>
+        </p:spPr>
+        <p:txBody>
+          <a:bodyPr spcFirstLastPara="1" wrap="square" lIns="91425" tIns="91425" rIns="91425" bIns="91425" anchor="b" anchorCtr="0">
+            <a:noAutofit/>
+          </a:bodyPr>
+          <a:lstStyle/>
+          <a:p>
+            <a:pPr lvl="0"/>
+            <a:r>
+              <a:rPr lang="zh-TW" altLang="en-US" sz="7200" b="1" dirty="0">
+                <a:latin typeface="Gen Jyuu Gothic Medium" panose="020B0402020203020207" pitchFamily="34" charset="-120"/>
+                <a:ea typeface="Gen Jyuu Gothic Medium" panose="020B0402020203020207" pitchFamily="34" charset="-120"/>
+                <a:cs typeface="Gen Jyuu Gothic Medium" panose="020B0402020203020207" pitchFamily="34" charset="-120"/>
+              </a:rPr>
+              <a:t>謝謝各位的欣賞</a:t>
+            </a:r>
+            <a:endParaRPr sz="7200" b="1" dirty="0">
+              <a:latin typeface="Gen Jyuu Gothic Medium" panose="020B0402020203020207" pitchFamily="34" charset="-120"/>
+              <a:ea typeface="Gen Jyuu Gothic Medium" panose="020B0402020203020207" pitchFamily="34" charset="-120"/>
+              <a:cs typeface="Gen Jyuu Gothic Medium" panose="020B0402020203020207" pitchFamily="34" charset="-120"/>
+            </a:endParaRPr>
+          </a:p>
+        </p:txBody>
+      </p:sp>
+    </p:spTree>
+    <p:extLst>
+      <p:ext uri="{BB962C8B-B14F-4D97-AF65-F5344CB8AC3E}">
+        <p14:creationId xmlns:p14="http://schemas.microsoft.com/office/powerpoint/2010/main" val="2120044587"/>
+      </p:ext>
+    </p:extLst>
+  </p:cSld>
+  <p:clrMapOvr>
+    <a:masterClrMapping/>
+  </p:clrMapOvr>
+</p:sld>
+</file>
+
 <file path=ppt/slides/slide2.xml><?xml version="1.0" encoding="utf-8"?>
 <p:sld xmlns:a="http://schemas.openxmlformats.org/drawingml/2006/main" xmlns:r="http://schemas.openxmlformats.org/officeDocument/2006/relationships" xmlns:p="http://schemas.openxmlformats.org/presentationml/2006/main">
   <p:cSld>
@@ -9898,22 +10096,21 @@
           </a:bodyPr>
           <a:lstStyle/>
           <a:p>
-            <a:pPr marL="0" lvl="0" indent="0" algn="ctr" rtl="0">
-              <a:spcBef>
-                <a:spcPts val="0"/>
-              </a:spcBef>
-              <a:spcAft>
-                <a:spcPts val="0"/>
-              </a:spcAft>
-              <a:buNone/>
-            </a:pPr>
             <a:r>
               <a:rPr lang="zh-TW" altLang="en-US" sz="2800" dirty="0">
                 <a:latin typeface="Gen Jyuu Gothic Medium" panose="020B0402020203020207" pitchFamily="34" charset="-120"/>
                 <a:ea typeface="Gen Jyuu Gothic Medium" panose="020B0402020203020207" pitchFamily="34" charset="-120"/>
                 <a:cs typeface="Gen Jyuu Gothic Medium" panose="020B0402020203020207" pitchFamily="34" charset="-120"/>
               </a:rPr>
-              <a:t>配色與排版</a:t>
+              <a:t>功能及</a:t>
+            </a:r>
+            <a:r>
+              <a:rPr lang="zh-TW" altLang="en-US" sz="2800" dirty="0" smtClean="0">
+                <a:latin typeface="Gen Jyuu Gothic Medium" panose="020B0402020203020207" pitchFamily="34" charset="-120"/>
+                <a:ea typeface="Gen Jyuu Gothic Medium" panose="020B0402020203020207" pitchFamily="34" charset="-120"/>
+                <a:cs typeface="Gen Jyuu Gothic Medium" panose="020B0402020203020207" pitchFamily="34" charset="-120"/>
+              </a:rPr>
+              <a:t>特色</a:t>
             </a:r>
             <a:endParaRPr sz="2800" dirty="0">
               <a:latin typeface="Gen Jyuu Gothic Medium" panose="020B0402020203020207" pitchFamily="34" charset="-120"/>
@@ -9996,22 +10193,21 @@
           </a:bodyPr>
           <a:lstStyle/>
           <a:p>
-            <a:pPr marL="0" lvl="0" indent="0" algn="ctr" rtl="0">
-              <a:spcBef>
-                <a:spcPts val="0"/>
-              </a:spcBef>
-              <a:spcAft>
-                <a:spcPts val="0"/>
-              </a:spcAft>
-              <a:buNone/>
-            </a:pPr>
             <a:r>
               <a:rPr lang="zh-TW" altLang="en-US" sz="2800" dirty="0">
                 <a:latin typeface="Gen Jyuu Gothic Medium" panose="020B0402020203020207" pitchFamily="34" charset="-120"/>
                 <a:ea typeface="Gen Jyuu Gothic Medium" panose="020B0402020203020207" pitchFamily="34" charset="-120"/>
                 <a:cs typeface="Gen Jyuu Gothic Medium" panose="020B0402020203020207" pitchFamily="34" charset="-120"/>
               </a:rPr>
-              <a:t>功能及特色</a:t>
+              <a:t>配色與</a:t>
+            </a:r>
+            <a:r>
+              <a:rPr lang="zh-TW" altLang="en-US" sz="2800" dirty="0" smtClean="0">
+                <a:latin typeface="Gen Jyuu Gothic Medium" panose="020B0402020203020207" pitchFamily="34" charset="-120"/>
+                <a:ea typeface="Gen Jyuu Gothic Medium" panose="020B0402020203020207" pitchFamily="34" charset="-120"/>
+                <a:cs typeface="Gen Jyuu Gothic Medium" panose="020B0402020203020207" pitchFamily="34" charset="-120"/>
+              </a:rPr>
+              <a:t>排版</a:t>
             </a:r>
             <a:endParaRPr sz="2800" dirty="0">
               <a:latin typeface="Gen Jyuu Gothic Medium" panose="020B0402020203020207" pitchFamily="34" charset="-120"/>
@@ -10345,438 +10541,6 @@
     </p:bg>
     <p:spTree>
       <p:nvGrpSpPr>
-        <p:cNvPr id="1" name="Shape 329"/>
-        <p:cNvGrpSpPr/>
-        <p:nvPr/>
-      </p:nvGrpSpPr>
-      <p:grpSpPr>
-        <a:xfrm>
-          <a:off x="0" y="0"/>
-          <a:ext cx="0" cy="0"/>
-          <a:chOff x="0" y="0"/>
-          <a:chExt cx="0" cy="0"/>
-        </a:xfrm>
-      </p:grpSpPr>
-      <p:sp>
-        <p:nvSpPr>
-          <p:cNvPr id="330" name="Google Shape;330;p46"/>
-          <p:cNvSpPr txBox="1">
-            <a:spLocks noGrp="1"/>
-          </p:cNvSpPr>
-          <p:nvPr>
-            <p:ph type="ctrTitle"/>
-          </p:nvPr>
-        </p:nvSpPr>
-        <p:spPr>
-          <a:xfrm flipH="1">
-            <a:off x="3416747" y="1972539"/>
-            <a:ext cx="3404655" cy="670500"/>
-          </a:xfrm>
-          <a:prstGeom prst="rect">
-            <a:avLst/>
-          </a:prstGeom>
-        </p:spPr>
-        <p:txBody>
-          <a:bodyPr spcFirstLastPara="1" wrap="square" lIns="91425" tIns="91425" rIns="91425" bIns="91425" anchor="b" anchorCtr="0">
-            <a:noAutofit/>
-          </a:bodyPr>
-          <a:lstStyle/>
-          <a:p>
-            <a:pPr marL="0" lvl="0" indent="0" algn="r" rtl="0">
-              <a:spcBef>
-                <a:spcPts val="0"/>
-              </a:spcBef>
-              <a:spcAft>
-                <a:spcPts val="0"/>
-              </a:spcAft>
-              <a:buNone/>
-            </a:pPr>
-            <a:r>
-              <a:rPr lang="en-US" dirty="0">
-                <a:latin typeface="Gen Jyuu Gothic Medium" panose="020B0402020203020207" pitchFamily="34" charset="-120"/>
-                <a:ea typeface="Gen Jyuu Gothic Medium" panose="020B0402020203020207" pitchFamily="34" charset="-120"/>
-                <a:cs typeface="Gen Jyuu Gothic Medium" panose="020B0402020203020207" pitchFamily="34" charset="-120"/>
-              </a:rPr>
-              <a:t>APP</a:t>
-            </a:r>
-            <a:br>
-              <a:rPr lang="es" dirty="0">
-                <a:latin typeface="Gen Jyuu Gothic Medium" panose="020B0402020203020207" pitchFamily="34" charset="-120"/>
-                <a:ea typeface="Gen Jyuu Gothic Medium" panose="020B0402020203020207" pitchFamily="34" charset="-120"/>
-              </a:rPr>
-            </a:br>
-            <a:r>
-              <a:rPr lang="zh-TW" altLang="en-US" dirty="0">
-                <a:latin typeface="Gen Jyuu Gothic Medium" panose="020B0402020203020207" pitchFamily="34" charset="-120"/>
-                <a:ea typeface="Gen Jyuu Gothic Medium" panose="020B0402020203020207" pitchFamily="34" charset="-120"/>
-                <a:cs typeface="Gen Jyuu Gothic Medium" panose="020B0402020203020207" pitchFamily="34" charset="-120"/>
-              </a:rPr>
-              <a:t>功能與特色</a:t>
-            </a:r>
-            <a:endParaRPr dirty="0">
-              <a:latin typeface="Gen Jyuu Gothic Medium" panose="020B0402020203020207" pitchFamily="34" charset="-120"/>
-              <a:ea typeface="Gen Jyuu Gothic Medium" panose="020B0402020203020207" pitchFamily="34" charset="-120"/>
-              <a:cs typeface="Gen Jyuu Gothic Medium" panose="020B0402020203020207" pitchFamily="34" charset="-120"/>
-            </a:endParaRPr>
-          </a:p>
-        </p:txBody>
-      </p:sp>
-      <p:sp>
-        <p:nvSpPr>
-          <p:cNvPr id="331" name="Google Shape;331;p46"/>
-          <p:cNvSpPr txBox="1">
-            <a:spLocks noGrp="1"/>
-          </p:cNvSpPr>
-          <p:nvPr>
-            <p:ph type="subTitle" idx="1"/>
-          </p:nvPr>
-        </p:nvSpPr>
-        <p:spPr>
-          <a:xfrm>
-            <a:off x="1559400" y="2643038"/>
-            <a:ext cx="3012600" cy="1744785"/>
-          </a:xfrm>
-          <a:prstGeom prst="rect">
-            <a:avLst/>
-          </a:prstGeom>
-        </p:spPr>
-        <p:txBody>
-          <a:bodyPr spcFirstLastPara="1" wrap="square" lIns="91425" tIns="91425" rIns="91425" bIns="91425" anchor="t" anchorCtr="0">
-            <a:noAutofit/>
-          </a:bodyPr>
-          <a:lstStyle/>
-          <a:p>
-            <a:pPr marL="0" lvl="0" indent="0">
-              <a:lnSpc>
-                <a:spcPts val="3200"/>
-              </a:lnSpc>
-            </a:pPr>
-            <a:r>
-              <a:rPr lang="zh-TW" altLang="en-US" sz="2000" dirty="0">
-                <a:latin typeface="Gen Jyuu Gothic Medium" panose="020B0402020203020207" pitchFamily="34" charset="-120"/>
-                <a:ea typeface="Gen Jyuu Gothic Medium" panose="020B0402020203020207" pitchFamily="34" charset="-120"/>
-                <a:cs typeface="Gen Jyuu Gothic Medium" panose="020B0402020203020207" pitchFamily="34" charset="-120"/>
-              </a:rPr>
-              <a:t>直觀且易於使用</a:t>
-            </a:r>
-          </a:p>
-          <a:p>
-            <a:pPr marL="0" lvl="0" indent="0">
-              <a:lnSpc>
-                <a:spcPts val="3200"/>
-              </a:lnSpc>
-            </a:pPr>
-            <a:r>
-              <a:rPr lang="zh-TW" altLang="en-US" sz="2000" dirty="0">
-                <a:latin typeface="Gen Jyuu Gothic Medium" panose="020B0402020203020207" pitchFamily="34" charset="-120"/>
-                <a:ea typeface="Gen Jyuu Gothic Medium" panose="020B0402020203020207" pitchFamily="34" charset="-120"/>
-                <a:cs typeface="Gen Jyuu Gothic Medium" panose="020B0402020203020207" pitchFamily="34" charset="-120"/>
-              </a:rPr>
-              <a:t>追蹤費用和收入</a:t>
-            </a:r>
-          </a:p>
-          <a:p>
-            <a:pPr marL="0" lvl="0" indent="0">
-              <a:lnSpc>
-                <a:spcPts val="3200"/>
-              </a:lnSpc>
-            </a:pPr>
-            <a:r>
-              <a:rPr lang="zh-TW" altLang="en-US" sz="2000" dirty="0">
-                <a:latin typeface="Gen Jyuu Gothic Medium" panose="020B0402020203020207" pitchFamily="34" charset="-120"/>
-                <a:ea typeface="Gen Jyuu Gothic Medium" panose="020B0402020203020207" pitchFamily="34" charset="-120"/>
-                <a:cs typeface="Gen Jyuu Gothic Medium" panose="020B0402020203020207" pitchFamily="34" charset="-120"/>
-              </a:rPr>
-              <a:t>可視化列表</a:t>
-            </a:r>
-          </a:p>
-          <a:p>
-            <a:pPr marL="0" lvl="0" indent="0">
-              <a:lnSpc>
-                <a:spcPts val="3200"/>
-              </a:lnSpc>
-            </a:pPr>
-            <a:r>
-              <a:rPr lang="zh-TW" altLang="en-US" sz="2000" dirty="0">
-                <a:latin typeface="Gen Jyuu Gothic Medium" panose="020B0402020203020207" pitchFamily="34" charset="-120"/>
-                <a:ea typeface="Gen Jyuu Gothic Medium" panose="020B0402020203020207" pitchFamily="34" charset="-120"/>
-                <a:cs typeface="Gen Jyuu Gothic Medium" panose="020B0402020203020207" pitchFamily="34" charset="-120"/>
-              </a:rPr>
-              <a:t>當月收入與支出圓餅圖</a:t>
-            </a:r>
-          </a:p>
-          <a:p>
-            <a:pPr marL="0" lvl="0" indent="0">
-              <a:lnSpc>
-                <a:spcPts val="3200"/>
-              </a:lnSpc>
-            </a:pPr>
-            <a:r>
-              <a:rPr lang="zh-TW" altLang="en-US" sz="2000" dirty="0">
-                <a:latin typeface="Gen Jyuu Gothic Medium" panose="020B0402020203020207" pitchFamily="34" charset="-120"/>
-                <a:ea typeface="Gen Jyuu Gothic Medium" panose="020B0402020203020207" pitchFamily="34" charset="-120"/>
-                <a:cs typeface="Gen Jyuu Gothic Medium" panose="020B0402020203020207" pitchFamily="34" charset="-120"/>
-              </a:rPr>
-              <a:t>餘額和債務計算</a:t>
-            </a:r>
-          </a:p>
-          <a:p>
-            <a:pPr marL="0" lvl="0" indent="0" algn="l" rtl="0">
-              <a:spcBef>
-                <a:spcPts val="0"/>
-              </a:spcBef>
-              <a:spcAft>
-                <a:spcPts val="0"/>
-              </a:spcAft>
-              <a:buNone/>
-            </a:pPr>
-            <a:endParaRPr dirty="0">
-              <a:latin typeface="Gen Jyuu Gothic Medium" panose="020B0402020203020207" pitchFamily="34" charset="-120"/>
-              <a:ea typeface="Gen Jyuu Gothic Medium" panose="020B0402020203020207" pitchFamily="34" charset="-120"/>
-            </a:endParaRPr>
-          </a:p>
-        </p:txBody>
-      </p:sp>
-    </p:spTree>
-  </p:cSld>
-  <p:clrMapOvr>
-    <a:masterClrMapping/>
-  </p:clrMapOvr>
-</p:sld>
-</file>
-
-<file path=ppt/slides/slide5.xml><?xml version="1.0" encoding="utf-8"?>
-<p:sld xmlns:a="http://schemas.openxmlformats.org/drawingml/2006/main" xmlns:r="http://schemas.openxmlformats.org/officeDocument/2006/relationships" xmlns:p="http://schemas.openxmlformats.org/presentationml/2006/main">
-  <p:cSld>
-    <p:bg>
-      <p:bgPr>
-        <a:gradFill>
-          <a:gsLst>
-            <a:gs pos="0">
-              <a:schemeClr val="dk1"/>
-            </a:gs>
-            <a:gs pos="100000">
-              <a:schemeClr val="lt1"/>
-            </a:gs>
-          </a:gsLst>
-          <a:lin ang="5400700" scaled="0"/>
-        </a:gradFill>
-        <a:effectLst/>
-      </p:bgPr>
-    </p:bg>
-    <p:spTree>
-      <p:nvGrpSpPr>
-        <p:cNvPr id="1" name="Shape 370"/>
-        <p:cNvGrpSpPr/>
-        <p:nvPr/>
-      </p:nvGrpSpPr>
-      <p:grpSpPr>
-        <a:xfrm>
-          <a:off x="0" y="0"/>
-          <a:ext cx="0" cy="0"/>
-          <a:chOff x="0" y="0"/>
-          <a:chExt cx="0" cy="0"/>
-        </a:xfrm>
-      </p:grpSpPr>
-      <p:sp>
-        <p:nvSpPr>
-          <p:cNvPr id="373" name="Google Shape;373;p49"/>
-          <p:cNvSpPr txBox="1">
-            <a:spLocks noGrp="1"/>
-          </p:cNvSpPr>
-          <p:nvPr>
-            <p:ph type="ctrTitle"/>
-          </p:nvPr>
-        </p:nvSpPr>
-        <p:spPr>
-          <a:xfrm flipH="1">
-            <a:off x="4721600" y="507400"/>
-            <a:ext cx="3673200" cy="670500"/>
-          </a:xfrm>
-          <a:prstGeom prst="rect">
-            <a:avLst/>
-          </a:prstGeom>
-        </p:spPr>
-        <p:txBody>
-          <a:bodyPr spcFirstLastPara="1" wrap="square" lIns="91425" tIns="91425" rIns="91425" bIns="91425" anchor="t" anchorCtr="0">
-            <a:noAutofit/>
-          </a:bodyPr>
-          <a:lstStyle/>
-          <a:p>
-            <a:pPr marL="0" lvl="0" indent="0" algn="r" rtl="0">
-              <a:spcBef>
-                <a:spcPts val="0"/>
-              </a:spcBef>
-              <a:spcAft>
-                <a:spcPts val="0"/>
-              </a:spcAft>
-              <a:buNone/>
-            </a:pPr>
-            <a:r>
-              <a:rPr lang="zh-TW" altLang="en-US" dirty="0">
-                <a:latin typeface="Gen Jyuu Gothic Medium" panose="020B0402020203020207" pitchFamily="34" charset="-120"/>
-                <a:ea typeface="Gen Jyuu Gothic Medium" panose="020B0402020203020207" pitchFamily="34" charset="-120"/>
-                <a:cs typeface="Gen Jyuu Gothic Medium" panose="020B0402020203020207" pitchFamily="34" charset="-120"/>
-              </a:rPr>
-              <a:t>功能展示</a:t>
-            </a:r>
-            <a:endParaRPr dirty="0">
-              <a:latin typeface="Gen Jyuu Gothic Medium" panose="020B0402020203020207" pitchFamily="34" charset="-120"/>
-              <a:ea typeface="Gen Jyuu Gothic Medium" panose="020B0402020203020207" pitchFamily="34" charset="-120"/>
-              <a:cs typeface="Gen Jyuu Gothic Medium" panose="020B0402020203020207" pitchFamily="34" charset="-120"/>
-            </a:endParaRPr>
-          </a:p>
-        </p:txBody>
-      </p:sp>
-      <p:pic>
-        <p:nvPicPr>
-          <p:cNvPr id="11" name="圖片 10">
-            <a:extLst>
-              <a:ext uri="{FF2B5EF4-FFF2-40B4-BE49-F238E27FC236}">
-                <a16:creationId xmlns:a16="http://schemas.microsoft.com/office/drawing/2014/main" id="{624996BE-30B4-405F-AEFC-8300D4652B79}"/>
-              </a:ext>
-            </a:extLst>
-          </p:cNvPr>
-          <p:cNvPicPr>
-            <a:picLocks noChangeAspect="1"/>
-          </p:cNvPicPr>
-          <p:nvPr/>
-        </p:nvPicPr>
-        <p:blipFill>
-          <a:blip r:embed="rId3"/>
-          <a:stretch>
-            <a:fillRect/>
-          </a:stretch>
-        </p:blipFill>
-        <p:spPr>
-          <a:xfrm>
-            <a:off x="749200" y="1396100"/>
-            <a:ext cx="1720059" cy="3240000"/>
-          </a:xfrm>
-          <a:prstGeom prst="rect">
-            <a:avLst/>
-          </a:prstGeom>
-        </p:spPr>
-      </p:pic>
-      <p:pic>
-        <p:nvPicPr>
-          <p:cNvPr id="12" name="圖片 11">
-            <a:extLst>
-              <a:ext uri="{FF2B5EF4-FFF2-40B4-BE49-F238E27FC236}">
-                <a16:creationId xmlns:a16="http://schemas.microsoft.com/office/drawing/2014/main" id="{8ABA398C-5E48-4286-8FFA-6CC1B80290AB}"/>
-              </a:ext>
-            </a:extLst>
-          </p:cNvPr>
-          <p:cNvPicPr>
-            <a:picLocks noChangeAspect="1"/>
-          </p:cNvPicPr>
-          <p:nvPr/>
-        </p:nvPicPr>
-        <p:blipFill>
-          <a:blip r:embed="rId4"/>
-          <a:stretch>
-            <a:fillRect/>
-          </a:stretch>
-        </p:blipFill>
-        <p:spPr>
-          <a:xfrm>
-            <a:off x="2735400" y="1396100"/>
-            <a:ext cx="1720059" cy="3240000"/>
-          </a:xfrm>
-          <a:prstGeom prst="rect">
-            <a:avLst/>
-          </a:prstGeom>
-        </p:spPr>
-      </p:pic>
-      <p:pic>
-        <p:nvPicPr>
-          <p:cNvPr id="13" name="圖片 12">
-            <a:extLst>
-              <a:ext uri="{FF2B5EF4-FFF2-40B4-BE49-F238E27FC236}">
-                <a16:creationId xmlns:a16="http://schemas.microsoft.com/office/drawing/2014/main" id="{3C16CFA1-A3EA-491D-9D81-1506D53874FD}"/>
-              </a:ext>
-            </a:extLst>
-          </p:cNvPr>
-          <p:cNvPicPr>
-            <a:picLocks noChangeAspect="1"/>
-          </p:cNvPicPr>
-          <p:nvPr/>
-        </p:nvPicPr>
-        <p:blipFill>
-          <a:blip r:embed="rId5"/>
-          <a:stretch>
-            <a:fillRect/>
-          </a:stretch>
-        </p:blipFill>
-        <p:spPr>
-          <a:xfrm>
-            <a:off x="4721600" y="1396100"/>
-            <a:ext cx="1722592" cy="3240000"/>
-          </a:xfrm>
-          <a:prstGeom prst="rect">
-            <a:avLst/>
-          </a:prstGeom>
-        </p:spPr>
-      </p:pic>
-      <p:pic>
-        <p:nvPicPr>
-          <p:cNvPr id="14" name="圖片 13">
-            <a:extLst>
-              <a:ext uri="{FF2B5EF4-FFF2-40B4-BE49-F238E27FC236}">
-                <a16:creationId xmlns:a16="http://schemas.microsoft.com/office/drawing/2014/main" id="{3955E96D-0660-48CC-88D7-9A8BF5A729F0}"/>
-              </a:ext>
-            </a:extLst>
-          </p:cNvPr>
-          <p:cNvPicPr>
-            <a:picLocks noChangeAspect="1"/>
-          </p:cNvPicPr>
-          <p:nvPr/>
-        </p:nvPicPr>
-        <p:blipFill>
-          <a:blip r:embed="rId6"/>
-          <a:stretch>
-            <a:fillRect/>
-          </a:stretch>
-        </p:blipFill>
-        <p:spPr>
-          <a:xfrm>
-            <a:off x="6707800" y="1396100"/>
-            <a:ext cx="1720059" cy="3240000"/>
-          </a:xfrm>
-          <a:prstGeom prst="rect">
-            <a:avLst/>
-          </a:prstGeom>
-        </p:spPr>
-      </p:pic>
-    </p:spTree>
-  </p:cSld>
-  <p:clrMapOvr>
-    <a:masterClrMapping/>
-  </p:clrMapOvr>
-</p:sld>
-</file>
-
-<file path=ppt/slides/slide6.xml><?xml version="1.0" encoding="utf-8"?>
-<p:sld xmlns:a="http://schemas.openxmlformats.org/drawingml/2006/main" xmlns:r="http://schemas.openxmlformats.org/officeDocument/2006/relationships" xmlns:p="http://schemas.openxmlformats.org/presentationml/2006/main">
-  <p:cSld>
-    <p:bg>
-      <p:bgPr>
-        <a:gradFill>
-          <a:gsLst>
-            <a:gs pos="0">
-              <a:schemeClr val="dk1"/>
-            </a:gs>
-            <a:gs pos="100000">
-              <a:schemeClr val="lt1"/>
-            </a:gs>
-          </a:gsLst>
-          <a:lin ang="5400700" scaled="0"/>
-        </a:gradFill>
-        <a:effectLst/>
-      </p:bgPr>
-    </p:bg>
-    <p:spTree>
-      <p:nvGrpSpPr>
         <p:cNvPr id="1" name="Shape 364"/>
         <p:cNvGrpSpPr/>
         <p:nvPr/>
@@ -10996,7 +10760,7 @@
 </p:sld>
 </file>
 
-<file path=ppt/slides/slide7.xml><?xml version="1.0" encoding="utf-8"?>
+<file path=ppt/slides/slide5.xml><?xml version="1.0" encoding="utf-8"?>
 <p:sld xmlns:a="http://schemas.openxmlformats.org/drawingml/2006/main" xmlns:r="http://schemas.openxmlformats.org/officeDocument/2006/relationships" xmlns:p="http://schemas.openxmlformats.org/presentationml/2006/main">
   <p:cSld>
     <p:bg>
@@ -11468,6 +11232,445 @@
 </p:sld>
 </file>
 
+<file path=ppt/slides/slide6.xml><?xml version="1.0" encoding="utf-8"?>
+<p:sld xmlns:a="http://schemas.openxmlformats.org/drawingml/2006/main" xmlns:r="http://schemas.openxmlformats.org/officeDocument/2006/relationships" xmlns:p="http://schemas.openxmlformats.org/presentationml/2006/main">
+  <p:cSld>
+    <p:bg>
+      <p:bgPr>
+        <a:gradFill>
+          <a:gsLst>
+            <a:gs pos="0">
+              <a:schemeClr val="dk1"/>
+            </a:gs>
+            <a:gs pos="100000">
+              <a:schemeClr val="lt1"/>
+            </a:gs>
+          </a:gsLst>
+          <a:lin ang="5400700" scaled="0"/>
+        </a:gradFill>
+        <a:effectLst/>
+      </p:bgPr>
+    </p:bg>
+    <p:spTree>
+      <p:nvGrpSpPr>
+        <p:cNvPr id="1" name="Shape 329"/>
+        <p:cNvGrpSpPr/>
+        <p:nvPr/>
+      </p:nvGrpSpPr>
+      <p:grpSpPr>
+        <a:xfrm>
+          <a:off x="0" y="0"/>
+          <a:ext cx="0" cy="0"/>
+          <a:chOff x="0" y="0"/>
+          <a:chExt cx="0" cy="0"/>
+        </a:xfrm>
+      </p:grpSpPr>
+      <p:sp>
+        <p:nvSpPr>
+          <p:cNvPr id="330" name="Google Shape;330;p46"/>
+          <p:cNvSpPr txBox="1">
+            <a:spLocks noGrp="1"/>
+          </p:cNvSpPr>
+          <p:nvPr>
+            <p:ph type="ctrTitle"/>
+          </p:nvPr>
+        </p:nvSpPr>
+        <p:spPr>
+          <a:xfrm flipH="1">
+            <a:off x="3416747" y="1972539"/>
+            <a:ext cx="3404655" cy="670500"/>
+          </a:xfrm>
+          <a:prstGeom prst="rect">
+            <a:avLst/>
+          </a:prstGeom>
+        </p:spPr>
+        <p:txBody>
+          <a:bodyPr spcFirstLastPara="1" wrap="square" lIns="91425" tIns="91425" rIns="91425" bIns="91425" anchor="b" anchorCtr="0">
+            <a:noAutofit/>
+          </a:bodyPr>
+          <a:lstStyle/>
+          <a:p>
+            <a:pPr marL="0" lvl="0" indent="0" algn="r" rtl="0">
+              <a:spcBef>
+                <a:spcPts val="0"/>
+              </a:spcBef>
+              <a:spcAft>
+                <a:spcPts val="0"/>
+              </a:spcAft>
+              <a:buNone/>
+            </a:pPr>
+            <a:r>
+              <a:rPr lang="en-US" dirty="0">
+                <a:latin typeface="Gen Jyuu Gothic Medium" panose="020B0402020203020207" pitchFamily="34" charset="-120"/>
+                <a:ea typeface="Gen Jyuu Gothic Medium" panose="020B0402020203020207" pitchFamily="34" charset="-120"/>
+                <a:cs typeface="Gen Jyuu Gothic Medium" panose="020B0402020203020207" pitchFamily="34" charset="-120"/>
+              </a:rPr>
+              <a:t>APP</a:t>
+            </a:r>
+            <a:r>
+              <a:rPr lang="es" dirty="0">
+                <a:latin typeface="Gen Jyuu Gothic Medium" panose="020B0402020203020207" pitchFamily="34" charset="-120"/>
+                <a:ea typeface="Gen Jyuu Gothic Medium" panose="020B0402020203020207" pitchFamily="34" charset="-120"/>
+              </a:rPr>
+              <a:t/>
+            </a:r>
+            <a:br>
+              <a:rPr lang="es" dirty="0">
+                <a:latin typeface="Gen Jyuu Gothic Medium" panose="020B0402020203020207" pitchFamily="34" charset="-120"/>
+                <a:ea typeface="Gen Jyuu Gothic Medium" panose="020B0402020203020207" pitchFamily="34" charset="-120"/>
+              </a:rPr>
+            </a:br>
+            <a:r>
+              <a:rPr lang="zh-TW" altLang="en-US" dirty="0">
+                <a:latin typeface="Gen Jyuu Gothic Medium" panose="020B0402020203020207" pitchFamily="34" charset="-120"/>
+                <a:ea typeface="Gen Jyuu Gothic Medium" panose="020B0402020203020207" pitchFamily="34" charset="-120"/>
+                <a:cs typeface="Gen Jyuu Gothic Medium" panose="020B0402020203020207" pitchFamily="34" charset="-120"/>
+              </a:rPr>
+              <a:t>功能與特色</a:t>
+            </a:r>
+            <a:endParaRPr dirty="0">
+              <a:latin typeface="Gen Jyuu Gothic Medium" panose="020B0402020203020207" pitchFamily="34" charset="-120"/>
+              <a:ea typeface="Gen Jyuu Gothic Medium" panose="020B0402020203020207" pitchFamily="34" charset="-120"/>
+              <a:cs typeface="Gen Jyuu Gothic Medium" panose="020B0402020203020207" pitchFamily="34" charset="-120"/>
+            </a:endParaRPr>
+          </a:p>
+        </p:txBody>
+      </p:sp>
+      <p:sp>
+        <p:nvSpPr>
+          <p:cNvPr id="331" name="Google Shape;331;p46"/>
+          <p:cNvSpPr txBox="1">
+            <a:spLocks noGrp="1"/>
+          </p:cNvSpPr>
+          <p:nvPr>
+            <p:ph type="subTitle" idx="1"/>
+          </p:nvPr>
+        </p:nvSpPr>
+        <p:spPr>
+          <a:xfrm>
+            <a:off x="1559400" y="2643038"/>
+            <a:ext cx="3012600" cy="1744785"/>
+          </a:xfrm>
+          <a:prstGeom prst="rect">
+            <a:avLst/>
+          </a:prstGeom>
+        </p:spPr>
+        <p:txBody>
+          <a:bodyPr spcFirstLastPara="1" wrap="square" lIns="91425" tIns="91425" rIns="91425" bIns="91425" anchor="t" anchorCtr="0">
+            <a:noAutofit/>
+          </a:bodyPr>
+          <a:lstStyle/>
+          <a:p>
+            <a:pPr marL="0" lvl="0" indent="0">
+              <a:lnSpc>
+                <a:spcPts val="3200"/>
+              </a:lnSpc>
+            </a:pPr>
+            <a:r>
+              <a:rPr lang="zh-TW" altLang="en-US" sz="2000" dirty="0">
+                <a:latin typeface="Gen Jyuu Gothic Medium" panose="020B0402020203020207" pitchFamily="34" charset="-120"/>
+                <a:ea typeface="Gen Jyuu Gothic Medium" panose="020B0402020203020207" pitchFamily="34" charset="-120"/>
+                <a:cs typeface="Gen Jyuu Gothic Medium" panose="020B0402020203020207" pitchFamily="34" charset="-120"/>
+              </a:rPr>
+              <a:t>直觀且易於使用</a:t>
+            </a:r>
+          </a:p>
+          <a:p>
+            <a:pPr marL="0" lvl="0" indent="0">
+              <a:lnSpc>
+                <a:spcPts val="3200"/>
+              </a:lnSpc>
+            </a:pPr>
+            <a:r>
+              <a:rPr lang="zh-TW" altLang="en-US" sz="2000" dirty="0">
+                <a:latin typeface="Gen Jyuu Gothic Medium" panose="020B0402020203020207" pitchFamily="34" charset="-120"/>
+                <a:ea typeface="Gen Jyuu Gothic Medium" panose="020B0402020203020207" pitchFamily="34" charset="-120"/>
+                <a:cs typeface="Gen Jyuu Gothic Medium" panose="020B0402020203020207" pitchFamily="34" charset="-120"/>
+              </a:rPr>
+              <a:t>追蹤費用和收入</a:t>
+            </a:r>
+          </a:p>
+          <a:p>
+            <a:pPr marL="0" lvl="0" indent="0">
+              <a:lnSpc>
+                <a:spcPts val="3200"/>
+              </a:lnSpc>
+            </a:pPr>
+            <a:r>
+              <a:rPr lang="zh-TW" altLang="en-US" sz="2000" dirty="0">
+                <a:latin typeface="Gen Jyuu Gothic Medium" panose="020B0402020203020207" pitchFamily="34" charset="-120"/>
+                <a:ea typeface="Gen Jyuu Gothic Medium" panose="020B0402020203020207" pitchFamily="34" charset="-120"/>
+                <a:cs typeface="Gen Jyuu Gothic Medium" panose="020B0402020203020207" pitchFamily="34" charset="-120"/>
+              </a:rPr>
+              <a:t>可視化列表</a:t>
+            </a:r>
+          </a:p>
+          <a:p>
+            <a:pPr marL="0" lvl="0" indent="0">
+              <a:lnSpc>
+                <a:spcPts val="3200"/>
+              </a:lnSpc>
+            </a:pPr>
+            <a:r>
+              <a:rPr lang="zh-TW" altLang="en-US" sz="2000" dirty="0">
+                <a:latin typeface="Gen Jyuu Gothic Medium" panose="020B0402020203020207" pitchFamily="34" charset="-120"/>
+                <a:ea typeface="Gen Jyuu Gothic Medium" panose="020B0402020203020207" pitchFamily="34" charset="-120"/>
+                <a:cs typeface="Gen Jyuu Gothic Medium" panose="020B0402020203020207" pitchFamily="34" charset="-120"/>
+              </a:rPr>
+              <a:t>當月收入與支出圓餅圖</a:t>
+            </a:r>
+          </a:p>
+          <a:p>
+            <a:pPr marL="0" lvl="0" indent="0">
+              <a:lnSpc>
+                <a:spcPts val="3200"/>
+              </a:lnSpc>
+            </a:pPr>
+            <a:r>
+              <a:rPr lang="zh-TW" altLang="en-US" sz="2000" dirty="0">
+                <a:latin typeface="Gen Jyuu Gothic Medium" panose="020B0402020203020207" pitchFamily="34" charset="-120"/>
+                <a:ea typeface="Gen Jyuu Gothic Medium" panose="020B0402020203020207" pitchFamily="34" charset="-120"/>
+                <a:cs typeface="Gen Jyuu Gothic Medium" panose="020B0402020203020207" pitchFamily="34" charset="-120"/>
+              </a:rPr>
+              <a:t>餘額和債務計算</a:t>
+            </a:r>
+          </a:p>
+          <a:p>
+            <a:pPr marL="0" lvl="0" indent="0" algn="l" rtl="0">
+              <a:spcBef>
+                <a:spcPts val="0"/>
+              </a:spcBef>
+              <a:spcAft>
+                <a:spcPts val="0"/>
+              </a:spcAft>
+              <a:buNone/>
+            </a:pPr>
+            <a:endParaRPr dirty="0">
+              <a:latin typeface="Gen Jyuu Gothic Medium" panose="020B0402020203020207" pitchFamily="34" charset="-120"/>
+              <a:ea typeface="Gen Jyuu Gothic Medium" panose="020B0402020203020207" pitchFamily="34" charset="-120"/>
+            </a:endParaRPr>
+          </a:p>
+        </p:txBody>
+      </p:sp>
+    </p:spTree>
+  </p:cSld>
+  <p:clrMapOvr>
+    <a:masterClrMapping/>
+  </p:clrMapOvr>
+</p:sld>
+</file>
+
+<file path=ppt/slides/slide7.xml><?xml version="1.0" encoding="utf-8"?>
+<p:sld xmlns:a="http://schemas.openxmlformats.org/drawingml/2006/main" xmlns:r="http://schemas.openxmlformats.org/officeDocument/2006/relationships" xmlns:p="http://schemas.openxmlformats.org/presentationml/2006/main">
+  <p:cSld>
+    <p:bg>
+      <p:bgPr>
+        <a:gradFill>
+          <a:gsLst>
+            <a:gs pos="0">
+              <a:schemeClr val="dk1"/>
+            </a:gs>
+            <a:gs pos="100000">
+              <a:schemeClr val="lt1"/>
+            </a:gs>
+          </a:gsLst>
+          <a:lin ang="5400700" scaled="0"/>
+        </a:gradFill>
+        <a:effectLst/>
+      </p:bgPr>
+    </p:bg>
+    <p:spTree>
+      <p:nvGrpSpPr>
+        <p:cNvPr id="1" name="Shape 370"/>
+        <p:cNvGrpSpPr/>
+        <p:nvPr/>
+      </p:nvGrpSpPr>
+      <p:grpSpPr>
+        <a:xfrm>
+          <a:off x="0" y="0"/>
+          <a:ext cx="0" cy="0"/>
+          <a:chOff x="0" y="0"/>
+          <a:chExt cx="0" cy="0"/>
+        </a:xfrm>
+      </p:grpSpPr>
+      <p:sp>
+        <p:nvSpPr>
+          <p:cNvPr id="373" name="Google Shape;373;p49"/>
+          <p:cNvSpPr txBox="1">
+            <a:spLocks noGrp="1"/>
+          </p:cNvSpPr>
+          <p:nvPr>
+            <p:ph type="ctrTitle"/>
+          </p:nvPr>
+        </p:nvSpPr>
+        <p:spPr>
+          <a:xfrm flipH="1">
+            <a:off x="4721600" y="507400"/>
+            <a:ext cx="3673200" cy="670500"/>
+          </a:xfrm>
+          <a:prstGeom prst="rect">
+            <a:avLst/>
+          </a:prstGeom>
+        </p:spPr>
+        <p:txBody>
+          <a:bodyPr spcFirstLastPara="1" wrap="square" lIns="91425" tIns="91425" rIns="91425" bIns="91425" anchor="t" anchorCtr="0">
+            <a:noAutofit/>
+          </a:bodyPr>
+          <a:lstStyle/>
+          <a:p>
+            <a:pPr marL="0" lvl="0" indent="0" algn="r" rtl="0">
+              <a:spcBef>
+                <a:spcPts val="0"/>
+              </a:spcBef>
+              <a:spcAft>
+                <a:spcPts val="0"/>
+              </a:spcAft>
+              <a:buNone/>
+            </a:pPr>
+            <a:r>
+              <a:rPr lang="zh-TW" altLang="en-US" dirty="0">
+                <a:latin typeface="Gen Jyuu Gothic Medium" panose="020B0402020203020207" pitchFamily="34" charset="-120"/>
+                <a:ea typeface="Gen Jyuu Gothic Medium" panose="020B0402020203020207" pitchFamily="34" charset="-120"/>
+                <a:cs typeface="Gen Jyuu Gothic Medium" panose="020B0402020203020207" pitchFamily="34" charset="-120"/>
+              </a:rPr>
+              <a:t>功能展示</a:t>
+            </a:r>
+            <a:endParaRPr dirty="0">
+              <a:latin typeface="Gen Jyuu Gothic Medium" panose="020B0402020203020207" pitchFamily="34" charset="-120"/>
+              <a:ea typeface="Gen Jyuu Gothic Medium" panose="020B0402020203020207" pitchFamily="34" charset="-120"/>
+              <a:cs typeface="Gen Jyuu Gothic Medium" panose="020B0402020203020207" pitchFamily="34" charset="-120"/>
+            </a:endParaRPr>
+          </a:p>
+        </p:txBody>
+      </p:sp>
+      <p:pic>
+        <p:nvPicPr>
+          <p:cNvPr id="11" name="圖片 10">
+            <a:extLst>
+              <a:ext uri="{FF2B5EF4-FFF2-40B4-BE49-F238E27FC236}">
+                <a16:creationId xmlns:a16="http://schemas.microsoft.com/office/drawing/2014/main" id="{624996BE-30B4-405F-AEFC-8300D4652B79}"/>
+              </a:ext>
+            </a:extLst>
+          </p:cNvPr>
+          <p:cNvPicPr>
+            <a:picLocks noChangeAspect="1"/>
+          </p:cNvPicPr>
+          <p:nvPr/>
+        </p:nvPicPr>
+        <p:blipFill>
+          <a:blip r:embed="rId3"/>
+          <a:stretch>
+            <a:fillRect/>
+          </a:stretch>
+        </p:blipFill>
+        <p:spPr>
+          <a:xfrm>
+            <a:off x="749200" y="1396100"/>
+            <a:ext cx="1720059" cy="3240000"/>
+          </a:xfrm>
+          <a:prstGeom prst="rect">
+            <a:avLst/>
+          </a:prstGeom>
+        </p:spPr>
+      </p:pic>
+      <p:pic>
+        <p:nvPicPr>
+          <p:cNvPr id="12" name="圖片 11">
+            <a:extLst>
+              <a:ext uri="{FF2B5EF4-FFF2-40B4-BE49-F238E27FC236}">
+                <a16:creationId xmlns:a16="http://schemas.microsoft.com/office/drawing/2014/main" id="{8ABA398C-5E48-4286-8FFA-6CC1B80290AB}"/>
+              </a:ext>
+            </a:extLst>
+          </p:cNvPr>
+          <p:cNvPicPr>
+            <a:picLocks noChangeAspect="1"/>
+          </p:cNvPicPr>
+          <p:nvPr/>
+        </p:nvPicPr>
+        <p:blipFill>
+          <a:blip r:embed="rId4"/>
+          <a:stretch>
+            <a:fillRect/>
+          </a:stretch>
+        </p:blipFill>
+        <p:spPr>
+          <a:xfrm>
+            <a:off x="2735400" y="1396100"/>
+            <a:ext cx="1720059" cy="3240000"/>
+          </a:xfrm>
+          <a:prstGeom prst="rect">
+            <a:avLst/>
+          </a:prstGeom>
+        </p:spPr>
+      </p:pic>
+      <p:pic>
+        <p:nvPicPr>
+          <p:cNvPr id="13" name="圖片 12">
+            <a:extLst>
+              <a:ext uri="{FF2B5EF4-FFF2-40B4-BE49-F238E27FC236}">
+                <a16:creationId xmlns:a16="http://schemas.microsoft.com/office/drawing/2014/main" id="{3C16CFA1-A3EA-491D-9D81-1506D53874FD}"/>
+              </a:ext>
+            </a:extLst>
+          </p:cNvPr>
+          <p:cNvPicPr>
+            <a:picLocks noChangeAspect="1"/>
+          </p:cNvPicPr>
+          <p:nvPr/>
+        </p:nvPicPr>
+        <p:blipFill>
+          <a:blip r:embed="rId5"/>
+          <a:stretch>
+            <a:fillRect/>
+          </a:stretch>
+        </p:blipFill>
+        <p:spPr>
+          <a:xfrm>
+            <a:off x="4721600" y="1396100"/>
+            <a:ext cx="1722592" cy="3240000"/>
+          </a:xfrm>
+          <a:prstGeom prst="rect">
+            <a:avLst/>
+          </a:prstGeom>
+        </p:spPr>
+      </p:pic>
+      <p:pic>
+        <p:nvPicPr>
+          <p:cNvPr id="14" name="圖片 13">
+            <a:extLst>
+              <a:ext uri="{FF2B5EF4-FFF2-40B4-BE49-F238E27FC236}">
+                <a16:creationId xmlns:a16="http://schemas.microsoft.com/office/drawing/2014/main" id="{3955E96D-0660-48CC-88D7-9A8BF5A729F0}"/>
+              </a:ext>
+            </a:extLst>
+          </p:cNvPr>
+          <p:cNvPicPr>
+            <a:picLocks noChangeAspect="1"/>
+          </p:cNvPicPr>
+          <p:nvPr/>
+        </p:nvPicPr>
+        <p:blipFill>
+          <a:blip r:embed="rId6"/>
+          <a:stretch>
+            <a:fillRect/>
+          </a:stretch>
+        </p:blipFill>
+        <p:spPr>
+          <a:xfrm>
+            <a:off x="6707800" y="1396100"/>
+            <a:ext cx="1720059" cy="3240000"/>
+          </a:xfrm>
+          <a:prstGeom prst="rect">
+            <a:avLst/>
+          </a:prstGeom>
+        </p:spPr>
+      </p:pic>
+    </p:spTree>
+  </p:cSld>
+  <p:clrMapOvr>
+    <a:masterClrMapping/>
+  </p:clrMapOvr>
+</p:sld>
+</file>
+
 <file path=ppt/slides/slide8.xml><?xml version="1.0" encoding="utf-8"?>
 <p:sld xmlns:a="http://schemas.openxmlformats.org/drawingml/2006/main" xmlns:r="http://schemas.openxmlformats.org/officeDocument/2006/relationships" xmlns:p="http://schemas.openxmlformats.org/presentationml/2006/main">
   <p:cSld>
@@ -11696,7 +11899,7 @@
     </p:bg>
     <p:spTree>
       <p:nvGrpSpPr>
-        <p:cNvPr id="1" name="Shape 300"/>
+        <p:cNvPr id="1" name="Shape 370"/>
         <p:cNvGrpSpPr/>
         <p:nvPr/>
       </p:nvGrpSpPr>
@@ -11710,7 +11913,7 @@
       </p:grpSpPr>
       <p:sp>
         <p:nvSpPr>
-          <p:cNvPr id="301" name="Google Shape;301;p43"/>
+          <p:cNvPr id="373" name="Google Shape;373;p49"/>
           <p:cNvSpPr txBox="1">
             <a:spLocks noGrp="1"/>
           </p:cNvSpPr>
@@ -11720,29 +11923,45 @@
         </p:nvSpPr>
         <p:spPr>
           <a:xfrm flipH="1">
-            <a:off x="1261778" y="3092400"/>
-            <a:ext cx="6620444" cy="670500"/>
+            <a:off x="4721600" y="507400"/>
+            <a:ext cx="3673200" cy="670500"/>
           </a:xfrm>
           <a:prstGeom prst="rect">
             <a:avLst/>
           </a:prstGeom>
         </p:spPr>
         <p:txBody>
-          <a:bodyPr spcFirstLastPara="1" wrap="square" lIns="91425" tIns="91425" rIns="91425" bIns="91425" anchor="b" anchorCtr="0">
+          <a:bodyPr spcFirstLastPara="1" wrap="square" lIns="91425" tIns="91425" rIns="91425" bIns="91425" anchor="t" anchorCtr="0">
             <a:noAutofit/>
           </a:bodyPr>
           <a:lstStyle/>
           <a:p>
-            <a:pPr lvl="0"/>
+            <a:pPr marL="0" lvl="0" indent="0" algn="r" rtl="0">
+              <a:spcBef>
+                <a:spcPts val="0"/>
+              </a:spcBef>
+              <a:spcAft>
+                <a:spcPts val="0"/>
+              </a:spcAft>
+              <a:buNone/>
+            </a:pPr>
             <a:r>
-              <a:rPr lang="zh-TW" altLang="en-US" sz="7200" b="1" dirty="0">
+              <a:rPr lang="zh-TW" altLang="en-US" dirty="0" smtClean="0">
                 <a:latin typeface="Gen Jyuu Gothic Medium" panose="020B0402020203020207" pitchFamily="34" charset="-120"/>
                 <a:ea typeface="Gen Jyuu Gothic Medium" panose="020B0402020203020207" pitchFamily="34" charset="-120"/>
                 <a:cs typeface="Gen Jyuu Gothic Medium" panose="020B0402020203020207" pitchFamily="34" charset="-120"/>
               </a:rPr>
-              <a:t>謝謝各位的欣賞</a:t>
+              <a:t>技術運</a:t>
             </a:r>
-            <a:endParaRPr sz="7200" b="1" dirty="0">
+            <a:r>
+              <a:rPr lang="zh-TW" altLang="en-US" dirty="0">
+                <a:latin typeface="Gen Jyuu Gothic Medium" panose="020B0402020203020207" pitchFamily="34" charset="-120"/>
+                <a:ea typeface="Gen Jyuu Gothic Medium" panose="020B0402020203020207" pitchFamily="34" charset="-120"/>
+                <a:cs typeface="Gen Jyuu Gothic Medium" panose="020B0402020203020207" pitchFamily="34" charset="-120"/>
+              </a:rPr>
+              <a:t>用</a:t>
+            </a:r>
+            <a:endParaRPr dirty="0">
               <a:latin typeface="Gen Jyuu Gothic Medium" panose="020B0402020203020207" pitchFamily="34" charset="-120"/>
               <a:ea typeface="Gen Jyuu Gothic Medium" panose="020B0402020203020207" pitchFamily="34" charset="-120"/>
               <a:cs typeface="Gen Jyuu Gothic Medium" panose="020B0402020203020207" pitchFamily="34" charset="-120"/>
@@ -11750,10 +11969,82 @@
           </a:p>
         </p:txBody>
       </p:sp>
+      <p:pic>
+        <p:nvPicPr>
+          <p:cNvPr id="2" name="圖片 1"/>
+          <p:cNvPicPr>
+            <a:picLocks noChangeAspect="1"/>
+          </p:cNvPicPr>
+          <p:nvPr/>
+        </p:nvPicPr>
+        <p:blipFill>
+          <a:blip r:embed="rId3"/>
+          <a:stretch>
+            <a:fillRect/>
+          </a:stretch>
+        </p:blipFill>
+        <p:spPr>
+          <a:xfrm>
+            <a:off x="126000" y="1177900"/>
+            <a:ext cx="3171933" cy="3240000"/>
+          </a:xfrm>
+          <a:prstGeom prst="rect">
+            <a:avLst/>
+          </a:prstGeom>
+        </p:spPr>
+      </p:pic>
+      <p:pic>
+        <p:nvPicPr>
+          <p:cNvPr id="5" name="圖片 4"/>
+          <p:cNvPicPr>
+            <a:picLocks noChangeAspect="1"/>
+          </p:cNvPicPr>
+          <p:nvPr/>
+        </p:nvPicPr>
+        <p:blipFill>
+          <a:blip r:embed="rId4"/>
+          <a:stretch>
+            <a:fillRect/>
+          </a:stretch>
+        </p:blipFill>
+        <p:spPr>
+          <a:xfrm>
+            <a:off x="3511720" y="1177900"/>
+            <a:ext cx="2108005" cy="3240000"/>
+          </a:xfrm>
+          <a:prstGeom prst="rect">
+            <a:avLst/>
+          </a:prstGeom>
+        </p:spPr>
+      </p:pic>
+      <p:pic>
+        <p:nvPicPr>
+          <p:cNvPr id="6" name="圖片 5"/>
+          <p:cNvPicPr>
+            <a:picLocks noChangeAspect="1"/>
+          </p:cNvPicPr>
+          <p:nvPr/>
+        </p:nvPicPr>
+        <p:blipFill>
+          <a:blip r:embed="rId5"/>
+          <a:stretch>
+            <a:fillRect/>
+          </a:stretch>
+        </p:blipFill>
+        <p:spPr>
+          <a:xfrm>
+            <a:off x="5833512" y="2233782"/>
+            <a:ext cx="3240000" cy="1131618"/>
+          </a:xfrm>
+          <a:prstGeom prst="rect">
+            <a:avLst/>
+          </a:prstGeom>
+        </p:spPr>
+      </p:pic>
     </p:spTree>
     <p:extLst>
       <p:ext uri="{BB962C8B-B14F-4D97-AF65-F5344CB8AC3E}">
-        <p14:creationId xmlns:p14="http://schemas.microsoft.com/office/powerpoint/2010/main" val="2120044587"/>
+        <p14:creationId xmlns:p14="http://schemas.microsoft.com/office/powerpoint/2010/main" val="2350515139"/>
       </p:ext>
     </p:extLst>
   </p:cSld>
